--- a/01_GitTutorial/HowToGit_Introduction.pptx
+++ b/01_GitTutorial/HowToGit_Introduction.pptx
@@ -5,7 +5,7 @@
     <p:sldMasterId id="2147483648" r:id="rId1"/>
   </p:sldMasterIdLst>
   <p:notesMasterIdLst>
-    <p:notesMasterId r:id="rId35"/>
+    <p:notesMasterId r:id="rId37"/>
   </p:notesMasterIdLst>
   <p:sldIdLst>
     <p:sldId id="285" r:id="rId2"/>
@@ -41,6 +41,8 @@
     <p:sldId id="338" r:id="rId32"/>
     <p:sldId id="339" r:id="rId33"/>
     <p:sldId id="334" r:id="rId34"/>
+    <p:sldId id="345" r:id="rId35"/>
+    <p:sldId id="346" r:id="rId36"/>
   </p:sldIdLst>
   <p:sldSz cx="12192000" cy="6858000"/>
   <p:notesSz cx="6858000" cy="9144000"/>
@@ -240,7 +242,7 @@
           <a:p>
             <a:fld id="{FB1A487A-BCAB-4FA9-93D5-0C8D3D81510A}" type="datetimeFigureOut">
               <a:rPr lang="en-GB" smtClean="0"/>
-              <a:t>21/08/2024</a:t>
+              <a:t>26/08/2024</a:t>
             </a:fld>
             <a:endParaRPr lang="en-GB"/>
           </a:p>
@@ -639,7 +641,7 @@
           <a:p>
             <a:fld id="{ECAF4212-6013-4BDE-BCCC-04B63E5B0D67}" type="datetimeFigureOut">
               <a:rPr lang="en-GB" smtClean="0"/>
-              <a:t>21/08/2024</a:t>
+              <a:t>26/08/2024</a:t>
             </a:fld>
             <a:endParaRPr lang="en-GB"/>
           </a:p>
@@ -809,7 +811,7 @@
           <a:p>
             <a:fld id="{ECAF4212-6013-4BDE-BCCC-04B63E5B0D67}" type="datetimeFigureOut">
               <a:rPr lang="en-GB" smtClean="0"/>
-              <a:t>21/08/2024</a:t>
+              <a:t>26/08/2024</a:t>
             </a:fld>
             <a:endParaRPr lang="en-GB"/>
           </a:p>
@@ -989,7 +991,7 @@
           <a:p>
             <a:fld id="{ECAF4212-6013-4BDE-BCCC-04B63E5B0D67}" type="datetimeFigureOut">
               <a:rPr lang="en-GB" smtClean="0"/>
-              <a:t>21/08/2024</a:t>
+              <a:t>26/08/2024</a:t>
             </a:fld>
             <a:endParaRPr lang="en-GB"/>
           </a:p>
@@ -1159,7 +1161,7 @@
           <a:p>
             <a:fld id="{ECAF4212-6013-4BDE-BCCC-04B63E5B0D67}" type="datetimeFigureOut">
               <a:rPr lang="en-GB" smtClean="0"/>
-              <a:t>21/08/2024</a:t>
+              <a:t>26/08/2024</a:t>
             </a:fld>
             <a:endParaRPr lang="en-GB"/>
           </a:p>
@@ -1405,7 +1407,7 @@
           <a:p>
             <a:fld id="{ECAF4212-6013-4BDE-BCCC-04B63E5B0D67}" type="datetimeFigureOut">
               <a:rPr lang="en-GB" smtClean="0"/>
-              <a:t>21/08/2024</a:t>
+              <a:t>26/08/2024</a:t>
             </a:fld>
             <a:endParaRPr lang="en-GB"/>
           </a:p>
@@ -1637,7 +1639,7 @@
           <a:p>
             <a:fld id="{ECAF4212-6013-4BDE-BCCC-04B63E5B0D67}" type="datetimeFigureOut">
               <a:rPr lang="en-GB" smtClean="0"/>
-              <a:t>21/08/2024</a:t>
+              <a:t>26/08/2024</a:t>
             </a:fld>
             <a:endParaRPr lang="en-GB"/>
           </a:p>
@@ -2004,7 +2006,7 @@
           <a:p>
             <a:fld id="{ECAF4212-6013-4BDE-BCCC-04B63E5B0D67}" type="datetimeFigureOut">
               <a:rPr lang="en-GB" smtClean="0"/>
-              <a:t>21/08/2024</a:t>
+              <a:t>26/08/2024</a:t>
             </a:fld>
             <a:endParaRPr lang="en-GB"/>
           </a:p>
@@ -2122,7 +2124,7 @@
           <a:p>
             <a:fld id="{ECAF4212-6013-4BDE-BCCC-04B63E5B0D67}" type="datetimeFigureOut">
               <a:rPr lang="en-GB" smtClean="0"/>
-              <a:t>21/08/2024</a:t>
+              <a:t>26/08/2024</a:t>
             </a:fld>
             <a:endParaRPr lang="en-GB"/>
           </a:p>
@@ -2217,7 +2219,7 @@
           <a:p>
             <a:fld id="{ECAF4212-6013-4BDE-BCCC-04B63E5B0D67}" type="datetimeFigureOut">
               <a:rPr lang="en-GB" smtClean="0"/>
-              <a:t>21/08/2024</a:t>
+              <a:t>26/08/2024</a:t>
             </a:fld>
             <a:endParaRPr lang="en-GB"/>
           </a:p>
@@ -2494,7 +2496,7 @@
           <a:p>
             <a:fld id="{ECAF4212-6013-4BDE-BCCC-04B63E5B0D67}" type="datetimeFigureOut">
               <a:rPr lang="en-GB" smtClean="0"/>
-              <a:t>21/08/2024</a:t>
+              <a:t>26/08/2024</a:t>
             </a:fld>
             <a:endParaRPr lang="en-GB"/>
           </a:p>
@@ -2747,7 +2749,7 @@
           <a:p>
             <a:fld id="{ECAF4212-6013-4BDE-BCCC-04B63E5B0D67}" type="datetimeFigureOut">
               <a:rPr lang="en-GB" smtClean="0"/>
-              <a:t>21/08/2024</a:t>
+              <a:t>26/08/2024</a:t>
             </a:fld>
             <a:endParaRPr lang="en-GB"/>
           </a:p>
@@ -2960,7 +2962,7 @@
           <a:p>
             <a:fld id="{ECAF4212-6013-4BDE-BCCC-04B63E5B0D67}" type="datetimeFigureOut">
               <a:rPr lang="en-GB" smtClean="0"/>
-              <a:t>21/08/2024</a:t>
+              <a:t>26/08/2024</a:t>
             </a:fld>
             <a:endParaRPr lang="en-GB"/>
           </a:p>
@@ -3643,7 +3645,15 @@
           <a:p>
             <a:r>
               <a:rPr lang="en-US" dirty="0"/>
-              <a:t>Have codes? Make a repository!</a:t>
+              <a:t>Have codes? Make a </a:t>
+            </a:r>
+            <a:r>
+              <a:rPr lang="en-US" b="1" dirty="0"/>
+              <a:t>repository</a:t>
+            </a:r>
+            <a:r>
+              <a:rPr lang="en-US" dirty="0"/>
+              <a:t>!</a:t>
             </a:r>
           </a:p>
           <a:p>
@@ -5570,27 +5580,18 @@
           <a:p>
             <a:r>
               <a:rPr lang="en-US" dirty="0"/>
-              <a:t>UMICH has enterprise </a:t>
-            </a:r>
-            <a:r>
-              <a:rPr lang="en-US" dirty="0" err="1"/>
-              <a:t>licence</a:t>
-            </a:r>
-            <a:r>
-              <a:rPr lang="en-US"/>
-              <a:t> </a:t>
-            </a:r>
-            <a:r>
-              <a:rPr lang="en-US">
+              <a:t>UMICH has enterprise license </a:t>
+            </a:r>
+            <a:r>
+              <a:rPr lang="en-US" dirty="0">
                 <a:hlinkClick r:id="rId3"/>
               </a:rPr>
               <a:t>https://its.umich.edu/communication/collaboration/github</a:t>
             </a:r>
             <a:r>
-              <a:rPr lang="en-US"/>
+              <a:rPr lang="en-US" dirty="0"/>
               <a:t> </a:t>
             </a:r>
-            <a:endParaRPr lang="en-US" dirty="0"/>
           </a:p>
           <a:p>
             <a:endParaRPr lang="en-US" dirty="0"/>
@@ -5892,7 +5893,7 @@
         </p:spPr>
         <p:txBody>
           <a:bodyPr>
-            <a:normAutofit fontScale="92500" lnSpcReduction="20000"/>
+            <a:normAutofit fontScale="85000" lnSpcReduction="20000"/>
           </a:bodyPr>
           <a:lstStyle/>
           <a:p>
@@ -6024,6 +6025,20 @@
             <a:r>
               <a:rPr lang="en-US" dirty="0"/>
               <a:t>…</a:t>
+            </a:r>
+          </a:p>
+          <a:p>
+            <a:r>
+              <a:rPr lang="en-US" i="1" dirty="0"/>
+              <a:t>Integrated into </a:t>
+            </a:r>
+            <a:r>
+              <a:rPr lang="en-US" i="1" dirty="0" err="1"/>
+              <a:t>Matlab</a:t>
+            </a:r>
+            <a:r>
+              <a:rPr lang="en-US" i="1" dirty="0"/>
+              <a:t>, VS Code…</a:t>
             </a:r>
           </a:p>
           <a:p>
@@ -7288,12 +7303,8 @@
           <a:lstStyle/>
           <a:p>
             <a:r>
-              <a:rPr lang="cs-CZ" dirty="0" err="1"/>
-              <a:t>Process</a:t>
-            </a:r>
-            <a:r>
               <a:rPr lang="cs-CZ" dirty="0"/>
-              <a:t> - </a:t>
+              <a:t>Process – </a:t>
             </a:r>
             <a:r>
               <a:rPr lang="en-US" dirty="0"/>
@@ -7523,7 +7534,7 @@
           <a:p>
             <a:r>
               <a:rPr lang="en-US" dirty="0"/>
-              <a:t>Process – COMMIT</a:t>
+              <a:t>Process – COMMIT = safe checkpoint</a:t>
             </a:r>
           </a:p>
         </p:txBody>
@@ -7614,9 +7625,39 @@
         </p:blipFill>
         <p:spPr>
           <a:xfrm>
-            <a:off x="6836353" y="1825625"/>
+            <a:off x="7876588" y="2320575"/>
             <a:ext cx="3853293" cy="4351338"/>
           </a:xfrm>
+        </p:spPr>
+      </p:pic>
+      <p:pic>
+        <p:nvPicPr>
+          <p:cNvPr id="5" name="Picture 4">
+            <a:extLst>
+              <a:ext uri="{FF2B5EF4-FFF2-40B4-BE49-F238E27FC236}">
+                <a16:creationId xmlns:a16="http://schemas.microsoft.com/office/drawing/2014/main" id="{E3924D49-9BAB-7470-6D1B-9088FFBC4E30}"/>
+              </a:ext>
+            </a:extLst>
+          </p:cNvPr>
+          <p:cNvPicPr>
+            <a:picLocks noChangeAspect="1"/>
+          </p:cNvPicPr>
+          <p:nvPr/>
+        </p:nvPicPr>
+        <p:blipFill>
+          <a:blip r:embed="rId3"/>
+          <a:stretch>
+            <a:fillRect/>
+          </a:stretch>
+        </p:blipFill>
+        <p:spPr>
+          <a:xfrm>
+            <a:off x="9546672" y="127082"/>
+            <a:ext cx="2334936" cy="1698543"/>
+          </a:xfrm>
+          <a:prstGeom prst="rect">
+            <a:avLst/>
+          </a:prstGeom>
         </p:spPr>
       </p:pic>
     </p:spTree>
@@ -7991,6 +8032,10 @@
           </a:p>
           <a:p>
             <a:pPr lvl="1"/>
+            <a:endParaRPr lang="en-US" dirty="0"/>
+          </a:p>
+          <a:p>
+            <a:pPr lvl="1"/>
             <a:r>
               <a:rPr lang="en-US" dirty="0"/>
               <a:t>What if the REMOTE version is newer?</a:t>
@@ -8001,6 +8046,13 @@
             <a:r>
               <a:rPr lang="en-US" dirty="0"/>
               <a:t>Need to pull (aka fetch) first</a:t>
+            </a:r>
+          </a:p>
+          <a:p>
+            <a:pPr lvl="2"/>
+            <a:r>
+              <a:rPr lang="en-US" dirty="0"/>
+              <a:t>Merge and sort the conflicts on OUR side</a:t>
             </a:r>
             <a:endParaRPr lang="cs-CZ" dirty="0"/>
           </a:p>
@@ -8108,27 +8160,41 @@
             </a:r>
             <a:r>
               <a:rPr lang="cs-CZ" dirty="0"/>
-              <a:t>LOCAL </a:t>
-            </a:r>
-            <a:r>
-              <a:rPr lang="cs-CZ" dirty="0" err="1"/>
-              <a:t>repository</a:t>
-            </a:r>
+              <a:t>LOCAL repository</a:t>
+            </a:r>
+            <a:r>
+              <a:rPr lang="en-US" dirty="0"/>
+              <a:t>, updating the files</a:t>
+            </a:r>
+          </a:p>
+          <a:p>
+            <a:pPr lvl="1"/>
+            <a:r>
+              <a:rPr lang="en-US" dirty="0"/>
+              <a:t>Can have more remotes</a:t>
+            </a:r>
+          </a:p>
+          <a:p>
+            <a:pPr lvl="1"/>
+            <a:r>
+              <a:rPr lang="en-US" dirty="0"/>
+              <a:t>What if we made some changes?</a:t>
+            </a:r>
+          </a:p>
+          <a:p>
+            <a:pPr lvl="1"/>
             <a:endParaRPr lang="en-US" dirty="0"/>
           </a:p>
           <a:p>
-            <a:pPr lvl="1"/>
-            <a:r>
-              <a:rPr lang="en-US" dirty="0"/>
-              <a:t>Could have more remotes</a:t>
-            </a:r>
-          </a:p>
-          <a:p>
-            <a:pPr lvl="1"/>
-            <a:r>
-              <a:rPr lang="en-US" dirty="0"/>
-              <a:t>What if we made some changes?</a:t>
-            </a:r>
+            <a:r>
+              <a:rPr lang="en-US" i="1" dirty="0"/>
+              <a:t>(Fetch</a:t>
+            </a:r>
+            <a:r>
+              <a:rPr lang="en-US" dirty="0"/>
+              <a:t> just sync’s the repo)</a:t>
+            </a:r>
+            <a:endParaRPr lang="en-US" i="1" dirty="0"/>
           </a:p>
         </p:txBody>
       </p:sp>
@@ -9644,6 +9710,255 @@
 </p:sld>
 </file>
 
+<file path=ppt/slides/slide34.xml><?xml version="1.0" encoding="utf-8"?>
+<p:sld xmlns:a="http://schemas.openxmlformats.org/drawingml/2006/main" xmlns:r="http://schemas.openxmlformats.org/officeDocument/2006/relationships" xmlns:p="http://schemas.openxmlformats.org/presentationml/2006/main">
+  <p:cSld>
+    <p:spTree>
+      <p:nvGrpSpPr>
+        <p:cNvPr id="1" name=""/>
+        <p:cNvGrpSpPr/>
+        <p:nvPr/>
+      </p:nvGrpSpPr>
+      <p:grpSpPr>
+        <a:xfrm>
+          <a:off x="0" y="0"/>
+          <a:ext cx="0" cy="0"/>
+          <a:chOff x="0" y="0"/>
+          <a:chExt cx="0" cy="0"/>
+        </a:xfrm>
+      </p:grpSpPr>
+      <p:sp>
+        <p:nvSpPr>
+          <p:cNvPr id="5" name="Text Placeholder 4">
+            <a:extLst>
+              <a:ext uri="{FF2B5EF4-FFF2-40B4-BE49-F238E27FC236}">
+                <a16:creationId xmlns:a16="http://schemas.microsoft.com/office/drawing/2014/main" id="{949E3680-A913-CA58-EF4B-DC8AC29EDE1A}"/>
+              </a:ext>
+            </a:extLst>
+          </p:cNvPr>
+          <p:cNvSpPr>
+            <a:spLocks noGrp="1"/>
+          </p:cNvSpPr>
+          <p:nvPr>
+            <p:ph type="body" idx="1"/>
+          </p:nvPr>
+        </p:nvSpPr>
+        <p:spPr/>
+        <p:txBody>
+          <a:bodyPr/>
+          <a:lstStyle/>
+          <a:p>
+            <a:endParaRPr lang="en-US" dirty="0"/>
+          </a:p>
+          <a:p>
+            <a:pPr algn="ctr"/>
+            <a:r>
+              <a:rPr lang="en-US" dirty="0"/>
+              <a:t>Next on: the hands-on</a:t>
+            </a:r>
+          </a:p>
+        </p:txBody>
+      </p:sp>
+      <p:pic>
+        <p:nvPicPr>
+          <p:cNvPr id="1028" name="Picture 4" descr="That's All Folks! | Warner Bros. Entertainment Wiki | Fandom">
+            <a:extLst>
+              <a:ext uri="{FF2B5EF4-FFF2-40B4-BE49-F238E27FC236}">
+                <a16:creationId xmlns:a16="http://schemas.microsoft.com/office/drawing/2014/main" id="{99B88D19-F5C5-8782-5171-C7F0AC7C59E2}"/>
+              </a:ext>
+            </a:extLst>
+          </p:cNvPr>
+          <p:cNvPicPr>
+            <a:picLocks noChangeAspect="1" noChangeArrowheads="1"/>
+          </p:cNvPicPr>
+          <p:nvPr/>
+        </p:nvPicPr>
+        <p:blipFill>
+          <a:blip r:embed="rId2">
+            <a:extLst>
+              <a:ext uri="{28A0092B-C50C-407E-A947-70E740481C1C}">
+                <a14:useLocalDpi xmlns:a14="http://schemas.microsoft.com/office/drawing/2010/main" val="0"/>
+              </a:ext>
+            </a:extLst>
+          </a:blip>
+          <a:srcRect/>
+          <a:stretch>
+            <a:fillRect/>
+          </a:stretch>
+        </p:blipFill>
+        <p:spPr bwMode="auto">
+          <a:xfrm>
+            <a:off x="3086708" y="768350"/>
+            <a:ext cx="6018584" cy="3751019"/>
+          </a:xfrm>
+          <a:prstGeom prst="rect">
+            <a:avLst/>
+          </a:prstGeom>
+          <a:noFill/>
+          <a:extLst>
+            <a:ext uri="{909E8E84-426E-40DD-AFC4-6F175D3DCCD1}">
+              <a14:hiddenFill xmlns:a14="http://schemas.microsoft.com/office/drawing/2010/main">
+                <a:solidFill>
+                  <a:srgbClr val="FFFFFF"/>
+                </a:solidFill>
+              </a14:hiddenFill>
+            </a:ext>
+          </a:extLst>
+        </p:spPr>
+      </p:pic>
+    </p:spTree>
+    <p:extLst>
+      <p:ext uri="{BB962C8B-B14F-4D97-AF65-F5344CB8AC3E}">
+        <p14:creationId xmlns:p14="http://schemas.microsoft.com/office/powerpoint/2010/main" val="549730737"/>
+      </p:ext>
+    </p:extLst>
+  </p:cSld>
+  <p:clrMapOvr>
+    <a:masterClrMapping/>
+  </p:clrMapOvr>
+</p:sld>
+</file>
+
+<file path=ppt/slides/slide35.xml><?xml version="1.0" encoding="utf-8"?>
+<p:sld xmlns:a="http://schemas.openxmlformats.org/drawingml/2006/main" xmlns:r="http://schemas.openxmlformats.org/officeDocument/2006/relationships" xmlns:p="http://schemas.openxmlformats.org/presentationml/2006/main">
+  <p:cSld>
+    <p:spTree>
+      <p:nvGrpSpPr>
+        <p:cNvPr id="1" name=""/>
+        <p:cNvGrpSpPr/>
+        <p:nvPr/>
+      </p:nvGrpSpPr>
+      <p:grpSpPr>
+        <a:xfrm>
+          <a:off x="0" y="0"/>
+          <a:ext cx="0" cy="0"/>
+          <a:chOff x="0" y="0"/>
+          <a:chExt cx="0" cy="0"/>
+        </a:xfrm>
+      </p:grpSpPr>
+      <p:sp>
+        <p:nvSpPr>
+          <p:cNvPr id="4" name="Title 3">
+            <a:extLst>
+              <a:ext uri="{FF2B5EF4-FFF2-40B4-BE49-F238E27FC236}">
+                <a16:creationId xmlns:a16="http://schemas.microsoft.com/office/drawing/2014/main" id="{567903E6-456B-F98C-BD4C-A2A5481C6400}"/>
+              </a:ext>
+            </a:extLst>
+          </p:cNvPr>
+          <p:cNvSpPr>
+            <a:spLocks noGrp="1"/>
+          </p:cNvSpPr>
+          <p:nvPr>
+            <p:ph type="ctrTitle"/>
+          </p:nvPr>
+        </p:nvSpPr>
+        <p:spPr/>
+        <p:txBody>
+          <a:bodyPr/>
+          <a:lstStyle/>
+          <a:p>
+            <a:r>
+              <a:rPr lang="en-US" dirty="0"/>
+              <a:t>Assignment for Wednesday</a:t>
+            </a:r>
+          </a:p>
+        </p:txBody>
+      </p:sp>
+      <p:sp>
+        <p:nvSpPr>
+          <p:cNvPr id="5" name="Subtitle 4">
+            <a:extLst>
+              <a:ext uri="{FF2B5EF4-FFF2-40B4-BE49-F238E27FC236}">
+                <a16:creationId xmlns:a16="http://schemas.microsoft.com/office/drawing/2014/main" id="{ECF8AB7E-0C6D-7244-CC36-0E9A84E52A0F}"/>
+              </a:ext>
+            </a:extLst>
+          </p:cNvPr>
+          <p:cNvSpPr>
+            <a:spLocks noGrp="1"/>
+          </p:cNvSpPr>
+          <p:nvPr>
+            <p:ph type="subTitle" idx="1"/>
+          </p:nvPr>
+        </p:nvSpPr>
+        <p:spPr/>
+        <p:txBody>
+          <a:bodyPr/>
+          <a:lstStyle/>
+          <a:p>
+            <a:r>
+              <a:rPr lang="en-US" sz="3200" dirty="0"/>
+              <a:t>Get GitHub desktop </a:t>
+            </a:r>
+            <a:br>
+              <a:rPr lang="en-US" dirty="0"/>
+            </a:br>
+            <a:r>
+              <a:rPr lang="en-US" dirty="0"/>
+              <a:t>(or some other git client)</a:t>
+            </a:r>
+          </a:p>
+        </p:txBody>
+      </p:sp>
+      <p:pic>
+        <p:nvPicPr>
+          <p:cNvPr id="2052" name="Picture 4" descr="GitHub Desktop Application">
+            <a:extLst>
+              <a:ext uri="{FF2B5EF4-FFF2-40B4-BE49-F238E27FC236}">
+                <a16:creationId xmlns:a16="http://schemas.microsoft.com/office/drawing/2014/main" id="{A901F4AE-9495-ABFF-FBD8-FEF25BFB617F}"/>
+              </a:ext>
+            </a:extLst>
+          </p:cNvPr>
+          <p:cNvPicPr>
+            <a:picLocks noChangeAspect="1" noChangeArrowheads="1"/>
+          </p:cNvPicPr>
+          <p:nvPr/>
+        </p:nvPicPr>
+        <p:blipFill>
+          <a:blip r:embed="rId2">
+            <a:extLst>
+              <a:ext uri="{28A0092B-C50C-407E-A947-70E740481C1C}">
+                <a14:useLocalDpi xmlns:a14="http://schemas.microsoft.com/office/drawing/2010/main" val="0"/>
+              </a:ext>
+            </a:extLst>
+          </a:blip>
+          <a:srcRect/>
+          <a:stretch>
+            <a:fillRect/>
+          </a:stretch>
+        </p:blipFill>
+        <p:spPr bwMode="auto">
+          <a:xfrm>
+            <a:off x="3373070" y="4560836"/>
+            <a:ext cx="5622841" cy="2349602"/>
+          </a:xfrm>
+          <a:prstGeom prst="rect">
+            <a:avLst/>
+          </a:prstGeom>
+          <a:noFill/>
+          <a:extLst>
+            <a:ext uri="{909E8E84-426E-40DD-AFC4-6F175D3DCCD1}">
+              <a14:hiddenFill xmlns:a14="http://schemas.microsoft.com/office/drawing/2010/main">
+                <a:solidFill>
+                  <a:srgbClr val="FFFFFF"/>
+                </a:solidFill>
+              </a14:hiddenFill>
+            </a:ext>
+          </a:extLst>
+        </p:spPr>
+      </p:pic>
+    </p:spTree>
+    <p:extLst>
+      <p:ext uri="{BB962C8B-B14F-4D97-AF65-F5344CB8AC3E}">
+        <p14:creationId xmlns:p14="http://schemas.microsoft.com/office/powerpoint/2010/main" val="3056539762"/>
+      </p:ext>
+    </p:extLst>
+  </p:cSld>
+  <p:clrMapOvr>
+    <a:masterClrMapping/>
+  </p:clrMapOvr>
+</p:sld>
+</file>
+
 <file path=ppt/slides/slide4.xml><?xml version="1.0" encoding="utf-8"?>
 <p:sld xmlns:a="http://schemas.openxmlformats.org/drawingml/2006/main" xmlns:r="http://schemas.openxmlformats.org/officeDocument/2006/relationships" xmlns:p="http://schemas.openxmlformats.org/presentationml/2006/main">
   <p:cSld>
@@ -9982,9 +10297,6 @@
               <a:t>Typos</a:t>
             </a:r>
           </a:p>
-          <a:p>
-            <a:endParaRPr lang="en-US" dirty="0"/>
-          </a:p>
         </p:txBody>
       </p:sp>
       <p:sp>
@@ -10566,9 +10878,100 @@
         <p:spPr/>
         <p:txBody>
           <a:bodyPr>
-            <a:normAutofit/>
+            <a:normAutofit fontScale="85000" lnSpcReduction="20000"/>
           </a:bodyPr>
           <a:lstStyle/>
+          <a:p>
+            <a:pPr marL="0" indent="0" algn="l">
+              <a:buNone/>
+            </a:pPr>
+            <a:r>
+              <a:rPr lang="en-US" b="0" i="1" dirty="0">
+                <a:solidFill>
+                  <a:srgbClr val="1F1F1F"/>
+                </a:solidFill>
+                <a:effectLst/>
+                <a:highlight>
+                  <a:srgbClr val="FFFFFF"/>
+                </a:highlight>
+                <a:latin typeface="Arial" panose="020B0604020202020204" pitchFamily="34" charset="0"/>
+              </a:rPr>
+              <a:t>an </a:t>
+            </a:r>
+            <a:r>
+              <a:rPr lang="en-US" b="0" i="1" u="sng" dirty="0">
+                <a:solidFill>
+                  <a:srgbClr val="1F1F1F"/>
+                </a:solidFill>
+                <a:effectLst/>
+                <a:highlight>
+                  <a:srgbClr val="FFFFFF"/>
+                </a:highlight>
+                <a:latin typeface="Arial" panose="020B0604020202020204" pitchFamily="34" charset="0"/>
+              </a:rPr>
+              <a:t>unpleasant</a:t>
+            </a:r>
+            <a:r>
+              <a:rPr lang="en-US" b="0" i="1" dirty="0">
+                <a:solidFill>
+                  <a:srgbClr val="1F1F1F"/>
+                </a:solidFill>
+                <a:effectLst/>
+                <a:highlight>
+                  <a:srgbClr val="FFFFFF"/>
+                </a:highlight>
+                <a:latin typeface="Arial" panose="020B0604020202020204" pitchFamily="34" charset="0"/>
+              </a:rPr>
+              <a:t> or </a:t>
+            </a:r>
+            <a:r>
+              <a:rPr lang="en-US" b="0" i="1" u="sng" dirty="0">
+                <a:solidFill>
+                  <a:srgbClr val="1F1F1F"/>
+                </a:solidFill>
+                <a:effectLst/>
+                <a:highlight>
+                  <a:srgbClr val="FFFFFF"/>
+                </a:highlight>
+                <a:latin typeface="Arial" panose="020B0604020202020204" pitchFamily="34" charset="0"/>
+              </a:rPr>
+              <a:t>contemptible</a:t>
+            </a:r>
+            <a:r>
+              <a:rPr lang="en-US" b="0" i="1" dirty="0">
+                <a:solidFill>
+                  <a:srgbClr val="1F1F1F"/>
+                </a:solidFill>
+                <a:effectLst/>
+                <a:highlight>
+                  <a:srgbClr val="FFFFFF"/>
+                </a:highlight>
+                <a:latin typeface="Arial" panose="020B0604020202020204" pitchFamily="34" charset="0"/>
+              </a:rPr>
+              <a:t> person.</a:t>
+            </a:r>
+          </a:p>
+          <a:p>
+            <a:pPr marL="0" indent="0" algn="l">
+              <a:buNone/>
+            </a:pPr>
+            <a:r>
+              <a:rPr lang="en-US" b="0" i="1" dirty="0">
+                <a:solidFill>
+                  <a:srgbClr val="1F1F1F"/>
+                </a:solidFill>
+                <a:effectLst/>
+                <a:highlight>
+                  <a:srgbClr val="FFFFFF"/>
+                </a:highlight>
+                <a:latin typeface="Arial" panose="020B0604020202020204" pitchFamily="34" charset="0"/>
+              </a:rPr>
+              <a:t>"that mean old git"</a:t>
+            </a:r>
+          </a:p>
+          <a:p>
+            <a:endParaRPr lang="en-US" i="1" dirty="0"/>
+          </a:p>
           <a:p>
             <a:r>
               <a:rPr lang="en-US" i="1" dirty="0"/>
